--- a/Bayesian COVID Hospitalizations_poster_draft_alex.pptx
+++ b/Bayesian COVID Hospitalizations_poster_draft_alex.pptx
@@ -164,6 +164,280 @@
       </a:p>
     </p188:txBody>
   </p188:cm>
+  <p188:cm id="{A354AF76-F7B7-C142-B799-E53B447CE482}" authorId="{74906A6B-110F-D067-7BFC-521FF3E147DB}" created="2024-12-03T16:51:50.611">
+    <ac:txMkLst xmlns:ac="http://schemas.microsoft.com/office/drawing/2013/main/command">
+      <pc:docMk xmlns:pc="http://schemas.microsoft.com/office/powerpoint/2013/main/command"/>
+      <pc:sldMk xmlns:pc="http://schemas.microsoft.com/office/powerpoint/2013/main/command" cId="0" sldId="256"/>
+      <ac:spMk id="50" creationId="{00000000-0000-0000-0000-000000000000}"/>
+      <ac:txMk cp="58" len="322">
+        <ac:context len="485" hash="4221436145"/>
+      </ac:txMk>
+    </ac:txMkLst>
+    <p188:pos x="15025949" y="5293895"/>
+    <p188:txBody>
+      <a:bodyPr/>
+      <a:lstStyle/>
+      <a:p>
+        <a:r>
+          <a:rPr lang="en-US"/>
+          <a:t>We selected priors to balance interpretability and flexibility in our regression model. 
+, reflecting moderate uncertainty and accommodating small to moderate predictor effects with occasional larger ones.
+representing baseline log-odds of hospitalization,
+0 (baseline odds ~50%) 
+to capture broader variability in baseline probabilities. 
+This heavy-tailed prior accommodates extreme group-level variability while remaining robust to outliers, ensuring model stability and interpretability.</a:t>
+        </a:r>
+      </a:p>
+    </p188:txBody>
+  </p188:cm>
+  <p188:cm id="{4AC287C7-097F-C34A-888F-3FA81F10F5FB}" authorId="{74906A6B-110F-D067-7BFC-521FF3E147DB}" created="2024-12-03T16:52:12.878">
+    <ac:deMkLst xmlns:ac="http://schemas.microsoft.com/office/drawing/2013/main/command">
+      <pc:docMk xmlns:pc="http://schemas.microsoft.com/office/powerpoint/2013/main/command"/>
+      <pc:sldMk xmlns:pc="http://schemas.microsoft.com/office/powerpoint/2013/main/command" cId="0" sldId="256"/>
+      <ac:picMk id="30" creationId="{3968AFF1-F807-B4BD-4D77-E56E190F78D1}"/>
+    </ac:deMkLst>
+    <p188:txBody>
+      <a:bodyPr/>
+      <a:lstStyle/>
+      <a:p>
+        <a:r>
+          <a:rPr lang="en-US"/>
+          <a:t>Need to include last row of symptomatic section (bottom)</a:t>
+        </a:r>
+      </a:p>
+    </p188:txBody>
+  </p188:cm>
+  <p188:cm id="{47DCD415-87D7-8543-8A7E-7D0052F0EBFA}" authorId="{74906A6B-110F-D067-7BFC-521FF3E147DB}" created="2024-12-03T16:59:54.833">
+    <ac:txMkLst xmlns:ac="http://schemas.microsoft.com/office/drawing/2013/main/command">
+      <pc:docMk xmlns:pc="http://schemas.microsoft.com/office/powerpoint/2013/main/command"/>
+      <pc:sldMk xmlns:pc="http://schemas.microsoft.com/office/powerpoint/2013/main/command" cId="0" sldId="256"/>
+      <ac:spMk id="12" creationId="{00000000-0000-0000-0000-000000000000}"/>
+      <ac:txMk cp="0" len="172">
+        <ac:context len="272" hash="949705703"/>
+      </ac:txMk>
+    </ac:txMkLst>
+    <p188:pos x="14887960" y="840586"/>
+    <p188:txBody>
+      <a:bodyPr/>
+      <a:lstStyle/>
+      <a:p>
+        <a:r>
+          <a:rPr lang="en-US"/>
+          <a:t>Base model vs hierarchical model: The hierarchical model is preferred since it captures the non-linear relationship between age and hospitalization more effectively. accounts for state-level variability, improving its ability to generalize. 
+Using LOO, we compared the predictive performance of a baseline model  and a hierarchical model. 
+The hierarchical model's ability to account for state-level variability and non-linear effects, such as age group, explains its superior performance. These results support the use of the hierarchical model for predicting hospitalization risk and capturing complex patterns in the data.
+From the conditional effects, the hierarchical model shows less pronounced differences in hospitalization risk across racial groups, suggesting that incorporating state-level variability decreases the effect of race.
+</a:t>
+        </a:r>
+      </a:p>
+    </p188:txBody>
+  </p188:cm>
+  <p188:cm id="{3374288E-4A2B-6842-BCFF-01516A549761}" authorId="{74906A6B-110F-D067-7BFC-521FF3E147DB}" created="2024-12-03T17:10:29.511">
+    <ac:deMkLst xmlns:ac="http://schemas.microsoft.com/office/drawing/2013/main/command">
+      <pc:docMk xmlns:pc="http://schemas.microsoft.com/office/powerpoint/2013/main/command"/>
+      <pc:sldMk xmlns:pc="http://schemas.microsoft.com/office/powerpoint/2013/main/command" cId="0" sldId="256"/>
+      <ac:picMk id="58" creationId="{5B0F9A5A-602F-0862-F00F-F1E573F0618F}"/>
+    </ac:deMkLst>
+    <p188:txBody>
+      <a:bodyPr/>
+      <a:lstStyle/>
+      <a:p>
+        <a:r>
+          <a:rPr lang="en-US"/>
+          <a:t>Complete model definition</a:t>
+        </a:r>
+      </a:p>
+    </p188:txBody>
+  </p188:cm>
+  <p188:cm id="{D76E18BE-3337-C446-BE97-ED0BBBD484DE}" authorId="{74906A6B-110F-D067-7BFC-521FF3E147DB}" created="2024-12-03T17:10:44.078">
+    <ac:deMkLst xmlns:ac="http://schemas.microsoft.com/office/drawing/2013/main/command">
+      <pc:docMk xmlns:pc="http://schemas.microsoft.com/office/powerpoint/2013/main/command"/>
+      <pc:sldMk xmlns:pc="http://schemas.microsoft.com/office/powerpoint/2013/main/command" cId="0" sldId="256"/>
+      <ac:picMk id="52" creationId="{51963A4C-0FE3-0643-6EEB-95596B889E97}"/>
+    </ac:deMkLst>
+    <p188:txBody>
+      <a:bodyPr/>
+      <a:lstStyle/>
+      <a:p>
+        <a:r>
+          <a:rPr lang="en-US"/>
+          <a:t>Complete model definition</a:t>
+        </a:r>
+      </a:p>
+    </p188:txBody>
+  </p188:cm>
+  <p188:cm id="{BC131E90-891A-7843-A1F5-8D78F40473A0}" authorId="{74906A6B-110F-D067-7BFC-521FF3E147DB}" created="2024-12-03T17:12:07.513">
+    <ac:deMkLst xmlns:ac="http://schemas.microsoft.com/office/drawing/2013/main/command">
+      <pc:docMk xmlns:pc="http://schemas.microsoft.com/office/powerpoint/2013/main/command"/>
+      <pc:sldMk xmlns:pc="http://schemas.microsoft.com/office/powerpoint/2013/main/command" cId="0" sldId="256"/>
+      <ac:picMk id="40" creationId="{561C5FE4-9249-2A41-BA37-044223A59553}"/>
+    </ac:deMkLst>
+    <p188:txBody>
+      <a:bodyPr/>
+      <a:lstStyle/>
+      <a:p>
+        <a:r>
+          <a:rPr lang="en-US"/>
+          <a:t>Use pi not p</a:t>
+        </a:r>
+      </a:p>
+    </p188:txBody>
+  </p188:cm>
+  <p188:cm id="{3B8925F3-09E5-B54D-BDE9-B3E822DF1C91}" authorId="{74906A6B-110F-D067-7BFC-521FF3E147DB}" created="2024-12-03T17:12:58.962">
+    <ac:deMkLst xmlns:ac="http://schemas.microsoft.com/office/drawing/2013/main/command">
+      <pc:docMk xmlns:pc="http://schemas.microsoft.com/office/powerpoint/2013/main/command"/>
+      <pc:sldMk xmlns:pc="http://schemas.microsoft.com/office/powerpoint/2013/main/command" cId="0" sldId="256"/>
+      <ac:picMk id="46" creationId="{347A5C05-6D0D-4C91-4004-8A9B47776A65}"/>
+    </ac:deMkLst>
+    <p188:replyLst>
+      <p188:reply id="{1D96D1B2-6308-4049-89C4-15EF9486E0CF}" authorId="{74906A6B-110F-D067-7BFC-521FF3E147DB}" created="2024-12-03T17:13:22.048">
+        <p188:txBody>
+          <a:bodyPr/>
+          <a:lstStyle/>
+          <a:p>
+            <a:r>
+              <a:rPr lang="en-US"/>
+              <a:t>Don’t have to include definition of logic</a:t>
+            </a:r>
+          </a:p>
+        </p188:txBody>
+      </p188:reply>
+    </p188:replyLst>
+    <p188:txBody>
+      <a:bodyPr/>
+      <a:lstStyle/>
+      <a:p>
+        <a:r>
+          <a:rPr lang="en-US"/>
+          <a:t>Indicate that j[I] refers to the state</a:t>
+        </a:r>
+      </a:p>
+    </p188:txBody>
+  </p188:cm>
+  <p188:cm id="{46F6AFB6-5C0F-CD4A-854B-DB7DB899A10A}" authorId="{74906A6B-110F-D067-7BFC-521FF3E147DB}" created="2024-12-03T17:18:42.135">
+    <ac:txMkLst xmlns:ac="http://schemas.microsoft.com/office/drawing/2013/main/command">
+      <pc:docMk xmlns:pc="http://schemas.microsoft.com/office/powerpoint/2013/main/command"/>
+      <pc:sldMk xmlns:pc="http://schemas.microsoft.com/office/powerpoint/2013/main/command" cId="0" sldId="256"/>
+      <ac:spMk id="38" creationId="{00000000-0000-0000-0000-000000000000}"/>
+      <ac:txMk cp="0" len="11">
+        <ac:context len="28" hash="2967713117"/>
+      </ac:txMk>
+    </ac:txMkLst>
+    <p188:pos x="6275825" y="752881"/>
+    <p188:txBody>
+      <a:bodyPr/>
+      <a:lstStyle/>
+      <a:p>
+        <a:r>
+          <a:rPr lang="en-US"/>
+          <a:t>The fact that the imputed-data based models perform poorly when combined could indicate that our model is very sensitive to the specific dataset.</a:t>
+        </a:r>
+      </a:p>
+    </p188:txBody>
+  </p188:cm>
+  <p188:cm id="{62E208E8-9F33-A448-8C5F-1D3167C7BD04}" authorId="{74906A6B-110F-D067-7BFC-521FF3E147DB}" created="2024-12-03T17:24:00.346">
+    <ac:deMkLst xmlns:ac="http://schemas.microsoft.com/office/drawing/2013/main/command">
+      <pc:docMk xmlns:pc="http://schemas.microsoft.com/office/powerpoint/2013/main/command"/>
+      <pc:sldMk xmlns:pc="http://schemas.microsoft.com/office/powerpoint/2013/main/command" cId="0" sldId="256"/>
+      <ac:picMk id="32" creationId="{C715AAD6-0D02-3C73-A4E1-3480F5915B5D}"/>
+    </ac:deMkLst>
+    <p188:txBody>
+      <a:bodyPr/>
+      <a:lstStyle/>
+      <a:p>
+        <a:r>
+          <a:rPr lang="en-US"/>
+          <a:t>Plot probabilities of hospitalization, instead of (y/n) average predictio, and include credible interval information within the same map (google it)</a:t>
+        </a:r>
+      </a:p>
+    </p188:txBody>
+  </p188:cm>
+  <p188:cm id="{9A6C33BC-DC04-264A-83AE-4BB8FEF879DF}" authorId="{74906A6B-110F-D067-7BFC-521FF3E147DB}" created="2024-12-03T17:26:05.276">
+    <ac:deMkLst xmlns:ac="http://schemas.microsoft.com/office/drawing/2013/main/command">
+      <pc:docMk xmlns:pc="http://schemas.microsoft.com/office/powerpoint/2013/main/command"/>
+      <pc:sldMk xmlns:pc="http://schemas.microsoft.com/office/powerpoint/2013/main/command" cId="0" sldId="256"/>
+      <ac:picMk id="17" creationId="{B26C3502-6580-E651-C75B-1E989EA9C35C}"/>
+    </ac:deMkLst>
+    <p188:txBody>
+      <a:bodyPr/>
+      <a:lstStyle/>
+      <a:p>
+        <a:r>
+          <a:rPr lang="en-US"/>
+          <a:t>Plot of credible intervals instead.</a:t>
+        </a:r>
+      </a:p>
+    </p188:txBody>
+  </p188:cm>
+  <p188:cm id="{1FC455E3-19E6-154B-B4CF-03796D75CFC2}" authorId="{74906A6B-110F-D067-7BFC-521FF3E147DB}" created="2024-12-03T17:27:06.939">
+    <ac:txMkLst xmlns:ac="http://schemas.microsoft.com/office/drawing/2013/main/command">
+      <pc:docMk xmlns:pc="http://schemas.microsoft.com/office/powerpoint/2013/main/command"/>
+      <pc:sldMk xmlns:pc="http://schemas.microsoft.com/office/powerpoint/2013/main/command" cId="0" sldId="256"/>
+      <ac:spMk id="10" creationId="{025B411F-C30D-3458-EC06-AD109C00A7A3}"/>
+      <ac:txMk cp="75" len="39">
+        <ac:context len="1583" hash="3103544310"/>
+      </ac:txMk>
+    </ac:txMkLst>
+    <p188:pos x="6895310" y="896434"/>
+    <p188:replyLst>
+      <p188:reply id="{8031B262-A853-9A40-BE20-B463EE70C197}" authorId="{74906A6B-110F-D067-7BFC-521FF3E147DB}" created="2024-12-03T17:28:36.584">
+        <p188:txBody>
+          <a:bodyPr/>
+          <a:lstStyle/>
+          <a:p>
+            <a:r>
+              <a:rPr lang="en-US"/>
+              <a:t>Summarize variables, summarize missingness</a:t>
+            </a:r>
+          </a:p>
+        </p188:txBody>
+      </p188:reply>
+    </p188:replyLst>
+    <p188:txBody>
+      <a:bodyPr/>
+      <a:lstStyle/>
+      <a:p>
+        <a:r>
+          <a:rPr lang="en-US"/>
+          <a:t>Might be too much text, find a way to display same info in a plot?</a:t>
+        </a:r>
+      </a:p>
+    </p188:txBody>
+  </p188:cm>
+  <p188:cm id="{08536C51-C43D-F544-9EEB-89A4B0C0D11D}" authorId="{74906A6B-110F-D067-7BFC-521FF3E147DB}" created="2024-12-03T17:30:02.171">
+    <ac:deMkLst xmlns:ac="http://schemas.microsoft.com/office/drawing/2013/main/command">
+      <pc:docMk xmlns:pc="http://schemas.microsoft.com/office/powerpoint/2013/main/command"/>
+      <pc:sldMk xmlns:pc="http://schemas.microsoft.com/office/powerpoint/2013/main/command" cId="0" sldId="256"/>
+      <ac:picMk id="32" creationId="{C715AAD6-0D02-3C73-A4E1-3480F5915B5D}"/>
+    </ac:deMkLst>
+    <p188:txBody>
+      <a:bodyPr/>
+      <a:lstStyle/>
+      <a:p>
+        <a:r>
+          <a:rPr lang="en-US"/>
+          <a:t>Take a look into how probs are actually being computed</a:t>
+        </a:r>
+      </a:p>
+    </p188:txBody>
+  </p188:cm>
+  <p188:cm id="{FE90AB4D-2C6A-DE4A-969E-7D2AD980EEA9}" authorId="{74906A6B-110F-D067-7BFC-521FF3E147DB}" created="2024-12-03T17:32:27.055">
+    <ac:deMkLst xmlns:ac="http://schemas.microsoft.com/office/drawing/2013/main/command">
+      <pc:docMk xmlns:pc="http://schemas.microsoft.com/office/powerpoint/2013/main/command"/>
+      <pc:sldMk xmlns:pc="http://schemas.microsoft.com/office/powerpoint/2013/main/command" cId="0" sldId="256"/>
+      <ac:spMk id="27" creationId="{3F276D0A-010E-4E5B-46A1-A4E9C4C43CDC}"/>
+    </ac:deMkLst>
+    <p188:txBody>
+      <a:bodyPr/>
+      <a:lstStyle/>
+      <a:p>
+        <a:r>
+          <a:rPr lang="en-US"/>
+          <a:t>Write out probs in notation form, to specify what is being displayed in the plot</a:t>
+        </a:r>
+      </a:p>
+    </p188:txBody>
+  </p188:cm>
 </p188:cmLst>
 </file>
 
@@ -250,7 +524,7 @@
             <a:fld id="{311E81F8-90E2-2945-9ED7-A6A90A37CF21}" type="datetimeFigureOut">
               <a:rPr lang="en-US" smtClean="0"/>
               <a:pPr/>
-              <a:t>12/3/2024</a:t>
+              <a:t>12/3/24</a:t>
             </a:fld>
             <a:endParaRPr lang="en-US"/>
           </a:p>
@@ -819,7 +1093,7 @@
             <a:fld id="{84FD1F27-616A-3542-91BB-C34E14AE38CD}" type="datetimeFigureOut">
               <a:rPr lang="en-US" smtClean="0"/>
               <a:pPr/>
-              <a:t>12/3/2024</a:t>
+              <a:t>12/3/24</a:t>
             </a:fld>
             <a:endParaRPr lang="en-US"/>
           </a:p>
@@ -991,7 +1265,7 @@
             <a:fld id="{84FD1F27-616A-3542-91BB-C34E14AE38CD}" type="datetimeFigureOut">
               <a:rPr lang="en-US" smtClean="0"/>
               <a:pPr/>
-              <a:t>12/3/2024</a:t>
+              <a:t>12/3/24</a:t>
             </a:fld>
             <a:endParaRPr lang="en-US"/>
           </a:p>
@@ -1857,7 +2131,7 @@
             <a:fld id="{84FD1F27-616A-3542-91BB-C34E14AE38CD}" type="datetimeFigureOut">
               <a:rPr lang="en-US" smtClean="0"/>
               <a:pPr/>
-              <a:t>12/3/2024</a:t>
+              <a:t>12/3/24</a:t>
             </a:fld>
             <a:endParaRPr lang="en-US"/>
           </a:p>
@@ -2281,7 +2555,7 @@
             <a:fld id="{84FD1F27-616A-3542-91BB-C34E14AE38CD}" type="datetimeFigureOut">
               <a:rPr lang="en-US" smtClean="0"/>
               <a:pPr/>
-              <a:t>12/3/2024</a:t>
+              <a:t>12/3/24</a:t>
             </a:fld>
             <a:endParaRPr lang="en-US"/>
           </a:p>
@@ -2401,7 +2675,7 @@
             <a:fld id="{84FD1F27-616A-3542-91BB-C34E14AE38CD}" type="datetimeFigureOut">
               <a:rPr lang="en-US" smtClean="0"/>
               <a:pPr/>
-              <a:t>12/3/2024</a:t>
+              <a:t>12/3/24</a:t>
             </a:fld>
             <a:endParaRPr lang="en-US"/>
           </a:p>
@@ -2498,7 +2772,7 @@
             <a:fld id="{84FD1F27-616A-3542-91BB-C34E14AE38CD}" type="datetimeFigureOut">
               <a:rPr lang="en-US" smtClean="0"/>
               <a:pPr/>
-              <a:t>12/3/2024</a:t>
+              <a:t>12/3/24</a:t>
             </a:fld>
             <a:endParaRPr lang="en-US"/>
           </a:p>
@@ -2777,7 +3051,7 @@
             <a:fld id="{84FD1F27-616A-3542-91BB-C34E14AE38CD}" type="datetimeFigureOut">
               <a:rPr lang="en-US" smtClean="0"/>
               <a:pPr/>
-              <a:t>12/3/2024</a:t>
+              <a:t>12/3/24</a:t>
             </a:fld>
             <a:endParaRPr lang="en-US"/>
           </a:p>
@@ -3036,7 +3310,7 @@
             <a:fld id="{84FD1F27-616A-3542-91BB-C34E14AE38CD}" type="datetimeFigureOut">
               <a:rPr lang="en-US" smtClean="0"/>
               <a:pPr/>
-              <a:t>12/3/2024</a:t>
+              <a:t>12/3/24</a:t>
             </a:fld>
             <a:endParaRPr lang="en-US"/>
           </a:p>
@@ -3247,7 +3521,7 @@
             <a:fld id="{84FD1F27-616A-3542-91BB-C34E14AE38CD}" type="datetimeFigureOut">
               <a:rPr lang="en-US" smtClean="0"/>
               <a:pPr/>
-              <a:t>12/3/2024</a:t>
+              <a:t>12/3/24</a:t>
             </a:fld>
             <a:endParaRPr lang="en-US"/>
           </a:p>
@@ -3777,7 +4051,7 @@
             <a:fld id="{84FD1F27-616A-3542-91BB-C34E14AE38CD}" type="datetimeFigureOut">
               <a:rPr lang="en-US" smtClean="0"/>
               <a:pPr/>
-              <a:t>12/3/2024</a:t>
+              <a:t>12/3/24</a:t>
             </a:fld>
             <a:endParaRPr lang="en-US"/>
           </a:p>
@@ -4951,8 +5225,8 @@
         </p:nvSpPr>
         <p:spPr>
           <a:xfrm>
-            <a:off x="2236815" y="23396435"/>
-            <a:ext cx="14838218" cy="6857828"/>
+            <a:off x="2236815" y="20780360"/>
+            <a:ext cx="14838218" cy="9077565"/>
           </a:xfrm>
         </p:spPr>
         <p:txBody>
@@ -4966,7 +5240,7 @@
               <a:buChar char="•"/>
             </a:pPr>
             <a:r>
-              <a:rPr lang="en-US" sz="3050" b="0" dirty="0">
+              <a:rPr lang="en-US" sz="3000" dirty="0">
                 <a:latin typeface="+mn-lt"/>
               </a:rPr>
               <a:t>Outcome variable:</a:t>
@@ -4977,7 +5251,7 @@
               <a:buFont typeface="Arial" panose="020B0604020202020204" pitchFamily="34" charset="0"/>
               <a:buChar char="•"/>
             </a:pPr>
-            <a:endParaRPr lang="en-US" sz="3050" b="0" dirty="0">
+            <a:endParaRPr lang="en-US" sz="3000" b="0" dirty="0">
               <a:latin typeface="+mn-lt"/>
             </a:endParaRPr>
           </a:p>
@@ -4987,7 +5261,7 @@
               <a:buChar char="•"/>
             </a:pPr>
             <a:r>
-              <a:rPr lang="en-US" sz="3050" b="0" dirty="0">
+              <a:rPr lang="en-US" sz="3000" dirty="0">
                 <a:latin typeface="+mn-lt"/>
               </a:rPr>
               <a:t>Initial predictors:</a:t>
@@ -4998,7 +5272,7 @@
               <a:buFont typeface="Arial" panose="020B0604020202020204" pitchFamily="34" charset="0"/>
               <a:buChar char="•"/>
             </a:pPr>
-            <a:endParaRPr lang="en-US" sz="3050" b="0" dirty="0">
+            <a:endParaRPr lang="en-US" sz="3000" b="0" dirty="0">
               <a:latin typeface="+mn-lt"/>
             </a:endParaRPr>
           </a:p>
@@ -5007,7 +5281,7 @@
               <a:buFont typeface="Arial" panose="020B0604020202020204" pitchFamily="34" charset="0"/>
               <a:buChar char="•"/>
             </a:pPr>
-            <a:endParaRPr lang="en-US" sz="3050" b="0" dirty="0">
+            <a:endParaRPr lang="en-US" sz="3000" b="0" dirty="0">
               <a:latin typeface="+mn-lt"/>
             </a:endParaRPr>
           </a:p>
@@ -5016,7 +5290,7 @@
               <a:buFont typeface="Arial" panose="020B0604020202020204" pitchFamily="34" charset="0"/>
               <a:buChar char="•"/>
             </a:pPr>
-            <a:endParaRPr lang="en-US" sz="3050" b="0" dirty="0">
+            <a:endParaRPr lang="en-US" sz="3000" b="0" dirty="0">
               <a:latin typeface="+mn-lt"/>
             </a:endParaRPr>
           </a:p>
@@ -5026,7 +5300,7 @@
               <a:buChar char="•"/>
             </a:pPr>
             <a:r>
-              <a:rPr lang="en-US" sz="3050" b="0" dirty="0">
+              <a:rPr lang="en-US" sz="3000" dirty="0">
                 <a:latin typeface="+mn-lt"/>
               </a:rPr>
               <a:t>Initial Model:</a:t>
@@ -5037,17 +5311,17 @@
               <a:buFont typeface="Arial" panose="020B0604020202020204" pitchFamily="34" charset="0"/>
               <a:buChar char="•"/>
             </a:pPr>
-            <a:endParaRPr lang="en-US" sz="3050" b="0" dirty="0">
+            <a:endParaRPr lang="en-US" sz="3000" b="0" dirty="0">
               <a:latin typeface="+mn-lt"/>
             </a:endParaRPr>
           </a:p>
           <a:p>
             <a:pPr marL="475794"/>
             <a:r>
-              <a:rPr lang="en-US" sz="3050" b="0" dirty="0">
+              <a:rPr lang="en-US" sz="3000" dirty="0">
                 <a:latin typeface="+mn-lt"/>
               </a:rPr>
-              <a:t>Model Exploration</a:t>
+              <a:t>Priors</a:t>
             </a:r>
           </a:p>
           <a:p>
@@ -5056,7 +5330,46 @@
               <a:buChar char="•"/>
             </a:pPr>
             <a:r>
-              <a:rPr lang="en-US" sz="3050" b="0" dirty="0">
+              <a:rPr lang="en-US" sz="3000" b="0" dirty="0"/>
+              <a:t>For regression coefficients, we used a normal prior with mean 0 (implying no initial change) and standard deviation 2</a:t>
+            </a:r>
+          </a:p>
+          <a:p>
+            <a:pPr marL="932994" indent="-457200">
+              <a:buFont typeface="Arial" panose="020B0604020202020204" pitchFamily="34" charset="0"/>
+              <a:buChar char="•"/>
+            </a:pPr>
+            <a:r>
+              <a:rPr lang="en-US" sz="3000" b="0" dirty="0"/>
+              <a:t>The intercept, also followed a normal prior with mean but a wider standard deviation of 5</a:t>
+            </a:r>
+          </a:p>
+          <a:p>
+            <a:pPr marL="932994" indent="-457200">
+              <a:buFont typeface="Arial" panose="020B0604020202020204" pitchFamily="34" charset="0"/>
+              <a:buChar char="•"/>
+            </a:pPr>
+            <a:r>
+              <a:rPr lang="en-US" sz="3000" b="0" dirty="0"/>
+              <a:t>For random-effect standard deviations, Student’s t prior with 3 degrees of freedom, mean 0, and scale 2.5. </a:t>
+            </a:r>
+          </a:p>
+          <a:p>
+            <a:pPr marL="475794"/>
+            <a:r>
+              <a:rPr lang="en-US" sz="3000" dirty="0">
+                <a:latin typeface="+mn-lt"/>
+              </a:rPr>
+              <a:t>Model Exploration</a:t>
+            </a:r>
+          </a:p>
+          <a:p>
+            <a:pPr marL="932994" indent="-457200">
+              <a:buFont typeface="Arial" panose="020B0604020202020204" pitchFamily="34" charset="0"/>
+              <a:buChar char="•"/>
+            </a:pPr>
+            <a:r>
+              <a:rPr lang="en-US" sz="3000" b="0" dirty="0">
                 <a:latin typeface="+mn-lt"/>
               </a:rPr>
               <a:t>We considered recoding the age group variable as the mean of the age group boundaries</a:t>
@@ -5781,8 +6094,8 @@
         </p:nvSpPr>
         <p:spPr>
           <a:xfrm>
-            <a:off x="34414477" y="8150537"/>
-            <a:ext cx="14838218" cy="6672339"/>
+            <a:off x="34333523" y="18183394"/>
+            <a:ext cx="14838218" cy="2442335"/>
           </a:xfrm>
           <a:prstGeom prst="rect">
             <a:avLst/>
@@ -5803,7 +6116,21 @@
                 <a:latin typeface="+mj-lt"/>
                 <a:cs typeface="Times New Roman" panose="02020603050405020304" pitchFamily="18" charset="0"/>
               </a:rPr>
-              <a:t>Base model vs hierarchical model: The hierarchical model is preferred since it captures the non-linear relationship between age and hospitalization more effectively. accounts for state-level variability, improving its ability to generalize. </a:t>
+              <a:t>The hierarchical model outperformed the baseline model with an </a:t>
+            </a:r>
+            <a:r>
+              <a:rPr lang="en-US" sz="3054" b="1" dirty="0" err="1">
+                <a:latin typeface="+mj-lt"/>
+                <a:cs typeface="Times New Roman" panose="02020603050405020304" pitchFamily="18" charset="0"/>
+              </a:rPr>
+              <a:t>elpd</a:t>
+            </a:r>
+            <a:r>
+              <a:rPr lang="en-US" sz="3054" b="1" dirty="0">
+                <a:latin typeface="+mj-lt"/>
+                <a:cs typeface="Times New Roman" panose="02020603050405020304" pitchFamily="18" charset="0"/>
+              </a:rPr>
+              <a:t> difference of -104.9 and a standard error of 15.8, indicating significantly better predictive accuracy. </a:t>
             </a:r>
           </a:p>
           <a:p>
@@ -5811,27 +6138,10 @@
               <a:buFont typeface="Arial" pitchFamily="34" charset="0"/>
               <a:buChar char="•"/>
             </a:pPr>
-            <a:r>
-              <a:rPr lang="en-US" sz="3054" b="1" dirty="0">
-                <a:latin typeface="+mj-lt"/>
-                <a:cs typeface="Times New Roman" panose="02020603050405020304" pitchFamily="18" charset="0"/>
-              </a:rPr>
-              <a:t>Using LOO, we compared the predictive performance of a baseline model  and a hierarchical model. The hierarchical model outperformed the baseline model with an </a:t>
-            </a:r>
-            <a:r>
-              <a:rPr lang="en-US" sz="3054" b="1" dirty="0" err="1">
-                <a:latin typeface="+mj-lt"/>
-                <a:cs typeface="Times New Roman" panose="02020603050405020304" pitchFamily="18" charset="0"/>
-              </a:rPr>
-              <a:t>elpd</a:t>
-            </a:r>
-            <a:r>
-              <a:rPr lang="en-US" sz="3054" b="1" dirty="0">
-                <a:latin typeface="+mj-lt"/>
-                <a:cs typeface="Times New Roman" panose="02020603050405020304" pitchFamily="18" charset="0"/>
-              </a:rPr>
-              <a:t> difference of -104.9 and a standard error of 15.8, indicating significantly better predictive accuracy. The hierarchical model's ability to account for state-level variability and non-linear effects, such as age group, explains its superior performance. These results support the use of the hierarchical model for predicting hospitalization risk and capturing complex patterns in the data.</a:t>
-            </a:r>
+            <a:endParaRPr lang="en-US" sz="3054" b="1" dirty="0">
+              <a:latin typeface="+mj-lt"/>
+              <a:cs typeface="Times New Roman" panose="02020603050405020304" pitchFamily="18" charset="0"/>
+            </a:endParaRPr>
           </a:p>
           <a:p>
             <a:pPr marL="933406" indent="-451550">
@@ -5843,7 +6153,7 @@
                 <a:latin typeface="+mj-lt"/>
                 <a:cs typeface="Times New Roman" panose="02020603050405020304" pitchFamily="18" charset="0"/>
               </a:rPr>
-              <a:t>From the conditional effects, the hierarchical model shows more pronounced differences in hospitalization risk across racial groups, suggesting that incorporating state-level variability enhances the model’s ability to capture complex patterns in the data.</a:t>
+              <a:t>Conditional effects show decreased influence/effect of race from base model to hierarchical model</a:t>
             </a:r>
           </a:p>
         </p:txBody>
@@ -6230,7 +6540,7 @@
         </p:nvSpPr>
         <p:spPr>
           <a:xfrm>
-            <a:off x="3207327" y="22294148"/>
+            <a:off x="3207327" y="19699762"/>
             <a:ext cx="12928910" cy="528816"/>
           </a:xfrm>
           <a:prstGeom prst="rect">
@@ -6457,15 +6767,6 @@
               <a:buFont typeface="Arial" pitchFamily="34" charset="0"/>
               <a:buChar char="•"/>
             </a:pPr>
-            <a:endParaRPr lang="en-US" sz="3054" b="0" dirty="0">
-              <a:latin typeface="+mn-lt"/>
-            </a:endParaRPr>
-          </a:p>
-          <a:p>
-            <a:pPr marL="932994" indent="-457200">
-              <a:buFont typeface="Arial" pitchFamily="34" charset="0"/>
-              <a:buChar char="•"/>
-            </a:pPr>
             <a:r>
               <a:rPr lang="en-US" sz="3054" b="0" dirty="0">
                 <a:latin typeface="+mn-lt"/>
@@ -6476,21 +6777,21 @@
           <a:p>
             <a:pPr marL="475794"/>
             <a:r>
-              <a:rPr lang="en-US" sz="1800" b="0" dirty="0">
+              <a:rPr lang="en-US" sz="1400" b="0" dirty="0">
                 <a:latin typeface="Courier New" panose="02070309020205020404" pitchFamily="49" charset="0"/>
                 <a:cs typeface="Courier New" panose="02070309020205020404" pitchFamily="49" charset="0"/>
               </a:rPr>
               <a:t>'</a:t>
             </a:r>
             <a:r>
-              <a:rPr lang="en-US" sz="1800" b="0" dirty="0" err="1">
+              <a:rPr lang="en-US" sz="1400" b="0" dirty="0" err="1">
                 <a:latin typeface="Courier New" panose="02070309020205020404" pitchFamily="49" charset="0"/>
                 <a:cs typeface="Courier New" panose="02070309020205020404" pitchFamily="49" charset="0"/>
               </a:rPr>
               <a:t>data.frame</a:t>
             </a:r>
             <a:r>
-              <a:rPr lang="en-US" sz="1800" b="0" dirty="0">
+              <a:rPr lang="en-US" sz="1400" b="0" dirty="0">
                 <a:latin typeface="Courier New" panose="02070309020205020404" pitchFamily="49" charset="0"/>
                 <a:cs typeface="Courier New" panose="02070309020205020404" pitchFamily="49" charset="0"/>
               </a:rPr>
@@ -6500,21 +6801,21 @@
           <a:p>
             <a:pPr marL="475794"/>
             <a:r>
-              <a:rPr lang="en-US" sz="1800" b="0" dirty="0">
+              <a:rPr lang="en-US" sz="1400" b="0" dirty="0">
                 <a:latin typeface="Courier New" panose="02070309020205020404" pitchFamily="49" charset="0"/>
                 <a:cs typeface="Courier New" panose="02070309020205020404" pitchFamily="49" charset="0"/>
               </a:rPr>
               <a:t> $ </a:t>
             </a:r>
             <a:r>
-              <a:rPr lang="en-US" sz="1800" b="0" dirty="0" err="1">
+              <a:rPr lang="en-US" sz="1400" b="0" dirty="0" err="1">
                 <a:latin typeface="Courier New" panose="02070309020205020404" pitchFamily="49" charset="0"/>
                 <a:cs typeface="Courier New" panose="02070309020205020404" pitchFamily="49" charset="0"/>
               </a:rPr>
               <a:t>case_month</a:t>
             </a:r>
             <a:r>
-              <a:rPr lang="en-US" sz="1800" b="0" dirty="0">
+              <a:rPr lang="en-US" sz="1400" b="0" dirty="0">
                 <a:latin typeface="Courier New" panose="02070309020205020404" pitchFamily="49" charset="0"/>
                 <a:cs typeface="Courier New" panose="02070309020205020404" pitchFamily="49" charset="0"/>
               </a:rPr>
@@ -6524,21 +6825,21 @@
           <a:p>
             <a:pPr marL="475794"/>
             <a:r>
-              <a:rPr lang="en-US" sz="1800" b="0" dirty="0">
+              <a:rPr lang="en-US" sz="1400" b="0" dirty="0">
                 <a:latin typeface="Courier New" panose="02070309020205020404" pitchFamily="49" charset="0"/>
                 <a:cs typeface="Courier New" panose="02070309020205020404" pitchFamily="49" charset="0"/>
               </a:rPr>
               <a:t> $ </a:t>
             </a:r>
             <a:r>
-              <a:rPr lang="en-US" sz="1800" b="0" dirty="0" err="1">
+              <a:rPr lang="en-US" sz="1400" b="0" dirty="0" err="1">
                 <a:latin typeface="Courier New" panose="02070309020205020404" pitchFamily="49" charset="0"/>
                 <a:cs typeface="Courier New" panose="02070309020205020404" pitchFamily="49" charset="0"/>
               </a:rPr>
               <a:t>res_state</a:t>
             </a:r>
             <a:r>
-              <a:rPr lang="en-US" sz="1800" b="0" dirty="0">
+              <a:rPr lang="en-US" sz="1400" b="0" dirty="0">
                 <a:latin typeface="Courier New" panose="02070309020205020404" pitchFamily="49" charset="0"/>
                 <a:cs typeface="Courier New" panose="02070309020205020404" pitchFamily="49" charset="0"/>
               </a:rPr>
@@ -6548,21 +6849,21 @@
           <a:p>
             <a:pPr marL="475794"/>
             <a:r>
-              <a:rPr lang="en-US" sz="1800" b="0" dirty="0">
+              <a:rPr lang="en-US" sz="1400" b="0" dirty="0">
                 <a:latin typeface="Courier New" panose="02070309020205020404" pitchFamily="49" charset="0"/>
                 <a:cs typeface="Courier New" panose="02070309020205020404" pitchFamily="49" charset="0"/>
               </a:rPr>
               <a:t> $ </a:t>
             </a:r>
             <a:r>
-              <a:rPr lang="en-US" sz="1800" b="0" dirty="0" err="1">
+              <a:rPr lang="en-US" sz="1400" b="0" dirty="0" err="1">
                 <a:latin typeface="Courier New" panose="02070309020205020404" pitchFamily="49" charset="0"/>
                 <a:cs typeface="Courier New" panose="02070309020205020404" pitchFamily="49" charset="0"/>
               </a:rPr>
               <a:t>state_fips_code</a:t>
             </a:r>
             <a:r>
-              <a:rPr lang="en-US" sz="1800" b="0" dirty="0">
+              <a:rPr lang="en-US" sz="1400" b="0" dirty="0">
                 <a:latin typeface="Courier New" panose="02070309020205020404" pitchFamily="49" charset="0"/>
                 <a:cs typeface="Courier New" panose="02070309020205020404" pitchFamily="49" charset="0"/>
               </a:rPr>
@@ -6572,21 +6873,21 @@
           <a:p>
             <a:pPr marL="475794"/>
             <a:r>
-              <a:rPr lang="en-US" sz="1800" b="0" dirty="0">
+              <a:rPr lang="en-US" sz="1400" b="0" dirty="0">
                 <a:latin typeface="Courier New" panose="02070309020205020404" pitchFamily="49" charset="0"/>
                 <a:cs typeface="Courier New" panose="02070309020205020404" pitchFamily="49" charset="0"/>
               </a:rPr>
               <a:t> $ </a:t>
             </a:r>
             <a:r>
-              <a:rPr lang="en-US" sz="1800" b="0" dirty="0" err="1">
+              <a:rPr lang="en-US" sz="1400" b="0" dirty="0" err="1">
                 <a:latin typeface="Courier New" panose="02070309020205020404" pitchFamily="49" charset="0"/>
                 <a:cs typeface="Courier New" panose="02070309020205020404" pitchFamily="49" charset="0"/>
               </a:rPr>
               <a:t>res_county</a:t>
             </a:r>
             <a:r>
-              <a:rPr lang="en-US" sz="1800" b="0" dirty="0">
+              <a:rPr lang="en-US" sz="1400" b="0" dirty="0">
                 <a:latin typeface="Courier New" panose="02070309020205020404" pitchFamily="49" charset="0"/>
                 <a:cs typeface="Courier New" panose="02070309020205020404" pitchFamily="49" charset="0"/>
               </a:rPr>
@@ -6596,21 +6897,21 @@
           <a:p>
             <a:pPr marL="475794"/>
             <a:r>
-              <a:rPr lang="en-US" sz="1800" b="0" dirty="0">
+              <a:rPr lang="en-US" sz="1400" b="0" dirty="0">
                 <a:latin typeface="Courier New" panose="02070309020205020404" pitchFamily="49" charset="0"/>
                 <a:cs typeface="Courier New" panose="02070309020205020404" pitchFamily="49" charset="0"/>
               </a:rPr>
               <a:t> $ </a:t>
             </a:r>
             <a:r>
-              <a:rPr lang="en-US" sz="1800" b="0" dirty="0" err="1">
+              <a:rPr lang="en-US" sz="1400" b="0" dirty="0" err="1">
                 <a:latin typeface="Courier New" panose="02070309020205020404" pitchFamily="49" charset="0"/>
                 <a:cs typeface="Courier New" panose="02070309020205020404" pitchFamily="49" charset="0"/>
               </a:rPr>
               <a:t>county_fips_code</a:t>
             </a:r>
             <a:r>
-              <a:rPr lang="en-US" sz="1800" b="0" dirty="0">
+              <a:rPr lang="en-US" sz="1400" b="0" dirty="0">
                 <a:latin typeface="Courier New" panose="02070309020205020404" pitchFamily="49" charset="0"/>
                 <a:cs typeface="Courier New" panose="02070309020205020404" pitchFamily="49" charset="0"/>
               </a:rPr>
@@ -6620,21 +6921,21 @@
           <a:p>
             <a:pPr marL="475794"/>
             <a:r>
-              <a:rPr lang="en-US" sz="1800" b="0" dirty="0">
+              <a:rPr lang="en-US" sz="1400" b="0" dirty="0">
                 <a:latin typeface="Courier New" panose="02070309020205020404" pitchFamily="49" charset="0"/>
                 <a:cs typeface="Courier New" panose="02070309020205020404" pitchFamily="49" charset="0"/>
               </a:rPr>
               <a:t> $ </a:t>
             </a:r>
             <a:r>
-              <a:rPr lang="en-US" sz="1800" b="0" dirty="0" err="1">
+              <a:rPr lang="en-US" sz="1400" b="0" dirty="0" err="1">
                 <a:latin typeface="Courier New" panose="02070309020205020404" pitchFamily="49" charset="0"/>
                 <a:cs typeface="Courier New" panose="02070309020205020404" pitchFamily="49" charset="0"/>
               </a:rPr>
               <a:t>age_group</a:t>
             </a:r>
             <a:r>
-              <a:rPr lang="en-US" sz="1800" b="0" dirty="0">
+              <a:rPr lang="en-US" sz="1400" b="0" dirty="0">
                 <a:latin typeface="Courier New" panose="02070309020205020404" pitchFamily="49" charset="0"/>
                 <a:cs typeface="Courier New" panose="02070309020205020404" pitchFamily="49" charset="0"/>
               </a:rPr>
@@ -6644,7 +6945,7 @@
           <a:p>
             <a:pPr marL="475794"/>
             <a:r>
-              <a:rPr lang="en-US" sz="1800" b="0" dirty="0">
+              <a:rPr lang="en-US" sz="1400" b="0" dirty="0">
                 <a:latin typeface="Courier New" panose="02070309020205020404" pitchFamily="49" charset="0"/>
                 <a:cs typeface="Courier New" panose="02070309020205020404" pitchFamily="49" charset="0"/>
               </a:rPr>
@@ -6654,21 +6955,21 @@
           <a:p>
             <a:pPr marL="475794"/>
             <a:r>
-              <a:rPr lang="en-US" sz="1800" b="0" dirty="0">
+              <a:rPr lang="en-US" sz="1400" b="0" dirty="0">
                 <a:latin typeface="Courier New" panose="02070309020205020404" pitchFamily="49" charset="0"/>
                 <a:cs typeface="Courier New" panose="02070309020205020404" pitchFamily="49" charset="0"/>
               </a:rPr>
               <a:t> $ </a:t>
             </a:r>
             <a:r>
-              <a:rPr lang="en-US" sz="1800" b="0" dirty="0" err="1">
+              <a:rPr lang="en-US" sz="1400" b="0" dirty="0" err="1">
                 <a:latin typeface="Courier New" panose="02070309020205020404" pitchFamily="49" charset="0"/>
                 <a:cs typeface="Courier New" panose="02070309020205020404" pitchFamily="49" charset="0"/>
               </a:rPr>
               <a:t>hosp_yn</a:t>
             </a:r>
             <a:r>
-              <a:rPr lang="en-US" sz="1800" b="0" dirty="0">
+              <a:rPr lang="en-US" sz="1400" b="0" dirty="0">
                 <a:latin typeface="Courier New" panose="02070309020205020404" pitchFamily="49" charset="0"/>
                 <a:cs typeface="Courier New" panose="02070309020205020404" pitchFamily="49" charset="0"/>
               </a:rPr>
@@ -6678,7 +6979,7 @@
           <a:p>
             <a:pPr marL="475794"/>
             <a:r>
-              <a:rPr lang="en-US" sz="1800" b="0" dirty="0">
+              <a:rPr lang="en-US" sz="1400" b="0" dirty="0">
                 <a:latin typeface="Courier New" panose="02070309020205020404" pitchFamily="49" charset="0"/>
                 <a:cs typeface="Courier New" panose="02070309020205020404" pitchFamily="49" charset="0"/>
               </a:rPr>
@@ -6688,7 +6989,7 @@
           <a:p>
             <a:pPr marL="475794"/>
             <a:r>
-              <a:rPr lang="en-US" sz="1800" b="0" dirty="0">
+              <a:rPr lang="en-US" sz="1400" b="0" dirty="0">
                 <a:latin typeface="Courier New" panose="02070309020205020404" pitchFamily="49" charset="0"/>
                 <a:cs typeface="Courier New" panose="02070309020205020404" pitchFamily="49" charset="0"/>
               </a:rPr>
@@ -6698,21 +6999,21 @@
           <a:p>
             <a:pPr marL="475794"/>
             <a:r>
-              <a:rPr lang="en-US" sz="1800" b="0" dirty="0">
+              <a:rPr lang="en-US" sz="1400" b="0" dirty="0">
                 <a:latin typeface="Courier New" panose="02070309020205020404" pitchFamily="49" charset="0"/>
                 <a:cs typeface="Courier New" panose="02070309020205020404" pitchFamily="49" charset="0"/>
               </a:rPr>
               <a:t> $ </a:t>
             </a:r>
             <a:r>
-              <a:rPr lang="en-US" sz="1800" b="0" dirty="0" err="1">
+              <a:rPr lang="en-US" sz="1400" b="0" dirty="0" err="1">
                 <a:latin typeface="Courier New" panose="02070309020205020404" pitchFamily="49" charset="0"/>
                 <a:cs typeface="Courier New" panose="02070309020205020404" pitchFamily="49" charset="0"/>
               </a:rPr>
               <a:t>case_positive_specimen</a:t>
             </a:r>
             <a:r>
-              <a:rPr lang="en-US" sz="1800" b="0" dirty="0">
+              <a:rPr lang="en-US" sz="1400" b="0" dirty="0">
                 <a:latin typeface="Courier New" panose="02070309020205020404" pitchFamily="49" charset="0"/>
                 <a:cs typeface="Courier New" panose="02070309020205020404" pitchFamily="49" charset="0"/>
               </a:rPr>
@@ -6722,7 +7023,7 @@
           <a:p>
             <a:pPr marL="475794"/>
             <a:r>
-              <a:rPr lang="en-US" sz="1800" b="0" dirty="0">
+              <a:rPr lang="en-US" sz="1400" b="0" dirty="0">
                 <a:latin typeface="Courier New" panose="02070309020205020404" pitchFamily="49" charset="0"/>
                 <a:cs typeface="Courier New" panose="02070309020205020404" pitchFamily="49" charset="0"/>
               </a:rPr>
@@ -6732,21 +7033,21 @@
           <a:p>
             <a:pPr marL="475794"/>
             <a:r>
-              <a:rPr lang="en-US" sz="1800" b="0" dirty="0">
+              <a:rPr lang="en-US" sz="1400" b="0" dirty="0">
                 <a:latin typeface="Courier New" panose="02070309020205020404" pitchFamily="49" charset="0"/>
                 <a:cs typeface="Courier New" panose="02070309020205020404" pitchFamily="49" charset="0"/>
               </a:rPr>
               <a:t> $ </a:t>
             </a:r>
             <a:r>
-              <a:rPr lang="en-US" sz="1800" b="0" dirty="0" err="1">
+              <a:rPr lang="en-US" sz="1400" b="0" dirty="0" err="1">
                 <a:latin typeface="Courier New" panose="02070309020205020404" pitchFamily="49" charset="0"/>
                 <a:cs typeface="Courier New" panose="02070309020205020404" pitchFamily="49" charset="0"/>
               </a:rPr>
               <a:t>exposure_yn</a:t>
             </a:r>
             <a:r>
-              <a:rPr lang="en-US" sz="1800" b="0" dirty="0">
+              <a:rPr lang="en-US" sz="1400" b="0" dirty="0">
                 <a:latin typeface="Courier New" panose="02070309020205020404" pitchFamily="49" charset="0"/>
                 <a:cs typeface="Courier New" panose="02070309020205020404" pitchFamily="49" charset="0"/>
               </a:rPr>
@@ -6756,21 +7057,21 @@
           <a:p>
             <a:pPr marL="475794"/>
             <a:r>
-              <a:rPr lang="en-US" sz="1800" b="0" dirty="0">
+              <a:rPr lang="en-US" sz="1400" b="0" dirty="0">
                 <a:latin typeface="Courier New" panose="02070309020205020404" pitchFamily="49" charset="0"/>
                 <a:cs typeface="Courier New" panose="02070309020205020404" pitchFamily="49" charset="0"/>
               </a:rPr>
               <a:t> $ </a:t>
             </a:r>
             <a:r>
-              <a:rPr lang="en-US" sz="1800" b="0" dirty="0" err="1">
+              <a:rPr lang="en-US" sz="1400" b="0" dirty="0" err="1">
                 <a:latin typeface="Courier New" panose="02070309020205020404" pitchFamily="49" charset="0"/>
                 <a:cs typeface="Courier New" panose="02070309020205020404" pitchFamily="49" charset="0"/>
               </a:rPr>
               <a:t>current_status</a:t>
             </a:r>
             <a:r>
-              <a:rPr lang="en-US" sz="1800" b="0" dirty="0">
+              <a:rPr lang="en-US" sz="1400" b="0" dirty="0">
                 <a:latin typeface="Courier New" panose="02070309020205020404" pitchFamily="49" charset="0"/>
                 <a:cs typeface="Courier New" panose="02070309020205020404" pitchFamily="49" charset="0"/>
               </a:rPr>
@@ -6780,21 +7081,21 @@
           <a:p>
             <a:pPr marL="475794"/>
             <a:r>
-              <a:rPr lang="en-US" sz="1800" b="0" dirty="0">
+              <a:rPr lang="en-US" sz="1400" b="0" dirty="0">
                 <a:latin typeface="Courier New" panose="02070309020205020404" pitchFamily="49" charset="0"/>
                 <a:cs typeface="Courier New" panose="02070309020205020404" pitchFamily="49" charset="0"/>
               </a:rPr>
               <a:t> $ </a:t>
             </a:r>
             <a:r>
-              <a:rPr lang="en-US" sz="1800" b="0" dirty="0" err="1">
+              <a:rPr lang="en-US" sz="1400" b="0" dirty="0" err="1">
                 <a:latin typeface="Courier New" panose="02070309020205020404" pitchFamily="49" charset="0"/>
                 <a:cs typeface="Courier New" panose="02070309020205020404" pitchFamily="49" charset="0"/>
               </a:rPr>
               <a:t>symptom_status</a:t>
             </a:r>
             <a:r>
-              <a:rPr lang="en-US" sz="1800" b="0" dirty="0">
+              <a:rPr lang="en-US" sz="1400" b="0" dirty="0">
                 <a:latin typeface="Courier New" panose="02070309020205020404" pitchFamily="49" charset="0"/>
                 <a:cs typeface="Courier New" panose="02070309020205020404" pitchFamily="49" charset="0"/>
               </a:rPr>
@@ -6804,21 +7105,21 @@
           <a:p>
             <a:pPr marL="475794"/>
             <a:r>
-              <a:rPr lang="en-US" sz="1800" b="0" dirty="0">
+              <a:rPr lang="en-US" sz="1400" b="0" dirty="0">
                 <a:latin typeface="Courier New" panose="02070309020205020404" pitchFamily="49" charset="0"/>
                 <a:cs typeface="Courier New" panose="02070309020205020404" pitchFamily="49" charset="0"/>
               </a:rPr>
               <a:t> $ </a:t>
             </a:r>
             <a:r>
-              <a:rPr lang="en-US" sz="1800" b="0" dirty="0" err="1">
+              <a:rPr lang="en-US" sz="1400" b="0" dirty="0" err="1">
                 <a:latin typeface="Courier New" panose="02070309020205020404" pitchFamily="49" charset="0"/>
                 <a:cs typeface="Courier New" panose="02070309020205020404" pitchFamily="49" charset="0"/>
               </a:rPr>
               <a:t>icu_yn</a:t>
             </a:r>
             <a:r>
-              <a:rPr lang="en-US" sz="1800" b="0" dirty="0">
+              <a:rPr lang="en-US" sz="1400" b="0" dirty="0">
                 <a:latin typeface="Courier New" panose="02070309020205020404" pitchFamily="49" charset="0"/>
                 <a:cs typeface="Courier New" panose="02070309020205020404" pitchFamily="49" charset="0"/>
               </a:rPr>
@@ -6828,21 +7129,21 @@
           <a:p>
             <a:pPr marL="475794"/>
             <a:r>
-              <a:rPr lang="en-US" sz="1800" b="0" dirty="0">
+              <a:rPr lang="en-US" sz="1400" b="0" dirty="0">
                 <a:latin typeface="Courier New" panose="02070309020205020404" pitchFamily="49" charset="0"/>
                 <a:cs typeface="Courier New" panose="02070309020205020404" pitchFamily="49" charset="0"/>
               </a:rPr>
               <a:t> $ </a:t>
             </a:r>
             <a:r>
-              <a:rPr lang="en-US" sz="1800" b="0" dirty="0" err="1">
+              <a:rPr lang="en-US" sz="1400" b="0" dirty="0" err="1">
                 <a:latin typeface="Courier New" panose="02070309020205020404" pitchFamily="49" charset="0"/>
                 <a:cs typeface="Courier New" panose="02070309020205020404" pitchFamily="49" charset="0"/>
               </a:rPr>
               <a:t>death_yn</a:t>
             </a:r>
             <a:r>
-              <a:rPr lang="en-US" sz="1800" b="0" dirty="0">
+              <a:rPr lang="en-US" sz="1400" b="0" dirty="0">
                 <a:latin typeface="Courier New" panose="02070309020205020404" pitchFamily="49" charset="0"/>
                 <a:cs typeface="Courier New" panose="02070309020205020404" pitchFamily="49" charset="0"/>
               </a:rPr>
@@ -6852,21 +7153,21 @@
           <a:p>
             <a:pPr marL="475794"/>
             <a:r>
-              <a:rPr lang="en-US" sz="1800" b="0" dirty="0">
+              <a:rPr lang="en-US" sz="1400" b="0" dirty="0">
                 <a:latin typeface="Courier New" panose="02070309020205020404" pitchFamily="49" charset="0"/>
                 <a:cs typeface="Courier New" panose="02070309020205020404" pitchFamily="49" charset="0"/>
               </a:rPr>
               <a:t> $ </a:t>
             </a:r>
             <a:r>
-              <a:rPr lang="en-US" sz="1800" b="0" dirty="0" err="1">
+              <a:rPr lang="en-US" sz="1400" b="0" dirty="0" err="1">
                 <a:latin typeface="Courier New" panose="02070309020205020404" pitchFamily="49" charset="0"/>
                 <a:cs typeface="Courier New" panose="02070309020205020404" pitchFamily="49" charset="0"/>
               </a:rPr>
               <a:t>case_onset_interval</a:t>
             </a:r>
             <a:r>
-              <a:rPr lang="en-US" sz="1800" b="0" dirty="0">
+              <a:rPr lang="en-US" sz="1400" b="0" dirty="0">
                 <a:latin typeface="Courier New" panose="02070309020205020404" pitchFamily="49" charset="0"/>
                 <a:cs typeface="Courier New" panose="02070309020205020404" pitchFamily="49" charset="0"/>
               </a:rPr>
@@ -6876,21 +7177,21 @@
           <a:p>
             <a:pPr marL="475794"/>
             <a:r>
-              <a:rPr lang="en-US" sz="1800" b="0" dirty="0">
+              <a:rPr lang="en-US" sz="1400" b="0" dirty="0">
                 <a:latin typeface="Courier New" panose="02070309020205020404" pitchFamily="49" charset="0"/>
                 <a:cs typeface="Courier New" panose="02070309020205020404" pitchFamily="49" charset="0"/>
               </a:rPr>
               <a:t> $ </a:t>
             </a:r>
             <a:r>
-              <a:rPr lang="en-US" sz="1800" b="0" dirty="0" err="1">
+              <a:rPr lang="en-US" sz="1400" b="0" dirty="0" err="1">
                 <a:latin typeface="Courier New" panose="02070309020205020404" pitchFamily="49" charset="0"/>
                 <a:cs typeface="Courier New" panose="02070309020205020404" pitchFamily="49" charset="0"/>
               </a:rPr>
               <a:t>underlying_conditions_yn</a:t>
             </a:r>
             <a:r>
-              <a:rPr lang="en-US" sz="1800" b="0" dirty="0">
+              <a:rPr lang="en-US" sz="1400" b="0" dirty="0">
                 <a:latin typeface="Courier New" panose="02070309020205020404" pitchFamily="49" charset="0"/>
                 <a:cs typeface="Courier New" panose="02070309020205020404" pitchFamily="49" charset="0"/>
               </a:rPr>
@@ -7164,7 +7465,7 @@
         </p:nvSpPr>
         <p:spPr>
           <a:xfrm>
-            <a:off x="35369132" y="14969184"/>
+            <a:off x="35546659" y="25005727"/>
             <a:ext cx="12928911" cy="528816"/>
           </a:xfrm>
           <a:prstGeom prst="rect">
@@ -7220,7 +7521,7 @@
         </p:nvSpPr>
         <p:spPr>
           <a:xfrm>
-            <a:off x="34414477" y="15992466"/>
+            <a:off x="34592004" y="26029009"/>
             <a:ext cx="14838218" cy="1032334"/>
           </a:xfrm>
           <a:prstGeom prst="rect">
@@ -7242,7 +7543,7 @@
                 <a:latin typeface="+mj-lt"/>
                 <a:cs typeface="Times New Roman" panose="02020603050405020304" pitchFamily="18" charset="0"/>
               </a:rPr>
-              <a:t>Map</a:t>
+              <a:t>Map of Predicted hospitalization probabilities</a:t>
             </a:r>
           </a:p>
           <a:p>
@@ -7658,7 +7959,7 @@
         </p:blipFill>
         <p:spPr>
           <a:xfrm>
-            <a:off x="6236431" y="22842900"/>
+            <a:off x="6236431" y="20248514"/>
             <a:ext cx="7307816" cy="1429790"/>
           </a:xfrm>
           <a:prstGeom prst="rect">
@@ -7688,7 +7989,7 @@
         </p:blipFill>
         <p:spPr>
           <a:xfrm>
-            <a:off x="6236431" y="24356931"/>
+            <a:off x="6236431" y="21762545"/>
             <a:ext cx="4871975" cy="1963897"/>
           </a:xfrm>
           <a:prstGeom prst="rect">
@@ -7718,7 +8019,7 @@
         </p:blipFill>
         <p:spPr>
           <a:xfrm>
-            <a:off x="5729836" y="26282291"/>
+            <a:off x="5729836" y="23687905"/>
             <a:ext cx="12240150" cy="1224015"/>
           </a:xfrm>
           <a:prstGeom prst="rect">
@@ -7800,7 +8101,7 @@
         </p:nvSpPr>
         <p:spPr>
           <a:xfrm>
-            <a:off x="11482860" y="23802185"/>
+            <a:off x="11482860" y="21207799"/>
             <a:ext cx="7179122" cy="2908489"/>
           </a:xfrm>
           <a:prstGeom prst="rect">
@@ -7878,7 +8179,7 @@
         </p:blipFill>
         <p:spPr>
           <a:xfrm>
-            <a:off x="2733106" y="29311986"/>
+            <a:off x="2701124" y="29732376"/>
             <a:ext cx="6368364" cy="3918993"/>
           </a:xfrm>
           <a:prstGeom prst="rect">
@@ -7908,7 +8209,7 @@
         </p:blipFill>
         <p:spPr>
           <a:xfrm>
-            <a:off x="9504974" y="29417010"/>
+            <a:off x="9450317" y="29723308"/>
             <a:ext cx="6368365" cy="3908165"/>
           </a:xfrm>
           <a:prstGeom prst="rect">
@@ -7916,12 +8217,42 @@
           </a:prstGeom>
         </p:spPr>
       </p:pic>
-      <p:sp>
-        <p:nvSpPr>
-          <p:cNvPr id="8" name="TextBox 7">
+      <p:pic>
+        <p:nvPicPr>
+          <p:cNvPr id="15" name="Picture 14">
             <a:extLst>
               <a:ext uri="{FF2B5EF4-FFF2-40B4-BE49-F238E27FC236}">
-                <a16:creationId xmlns:a16="http://schemas.microsoft.com/office/drawing/2014/main" id="{5DC99543-DB6E-E3FB-3348-1EAC0B6925A7}"/>
+                <a16:creationId xmlns:a16="http://schemas.microsoft.com/office/drawing/2014/main" id="{4E2B81BC-1FD1-F01C-DFE3-F285FB998B06}"/>
+              </a:ext>
+            </a:extLst>
+          </p:cNvPr>
+          <p:cNvPicPr>
+            <a:picLocks noChangeAspect="1"/>
+          </p:cNvPicPr>
+          <p:nvPr/>
+        </p:nvPicPr>
+        <p:blipFill>
+          <a:blip r:embed="rId17"/>
+          <a:stretch>
+            <a:fillRect/>
+          </a:stretch>
+        </p:blipFill>
+        <p:spPr>
+          <a:xfrm>
+            <a:off x="18833569" y="30111669"/>
+            <a:ext cx="12363065" cy="1167486"/>
+          </a:xfrm>
+          <a:prstGeom prst="rect">
+            <a:avLst/>
+          </a:prstGeom>
+        </p:spPr>
+      </p:pic>
+      <p:sp>
+        <p:nvSpPr>
+          <p:cNvPr id="16" name="TextBox 15">
+            <a:extLst>
+              <a:ext uri="{FF2B5EF4-FFF2-40B4-BE49-F238E27FC236}">
+                <a16:creationId xmlns:a16="http://schemas.microsoft.com/office/drawing/2014/main" id="{6B788D3C-F00A-2A76-725C-5775069CD8BE}"/>
               </a:ext>
             </a:extLst>
           </p:cNvPr>
@@ -7930,8 +8261,8 @@
         </p:nvSpPr>
         <p:spPr>
           <a:xfrm>
-            <a:off x="18864939" y="30211591"/>
-            <a:ext cx="14521514" cy="5170646"/>
+            <a:off x="18630613" y="29343153"/>
+            <a:ext cx="3223071" cy="561692"/>
           </a:xfrm>
           <a:prstGeom prst="rect">
             <a:avLst/>
@@ -7944,37 +8275,309 @@
           </a:bodyPr>
           <a:lstStyle/>
           <a:p>
-            <a:pPr marL="457200" indent="-457200">
-              <a:buFont typeface="Arial" panose="020B0604020202020204" pitchFamily="34" charset="0"/>
+            <a:r>
+              <a:rPr lang="en-US" sz="3050" dirty="0"/>
+              <a:t>Model Summary</a:t>
+            </a:r>
+          </a:p>
+        </p:txBody>
+      </p:sp>
+      <p:pic>
+        <p:nvPicPr>
+          <p:cNvPr id="17" name="Picture 16" descr="A screenshot of a data&#10;&#10;Description automatically generated">
+            <a:extLst>
+              <a:ext uri="{FF2B5EF4-FFF2-40B4-BE49-F238E27FC236}">
+                <a16:creationId xmlns:a16="http://schemas.microsoft.com/office/drawing/2014/main" id="{B26C3502-6580-E651-C75B-1E989EA9C35C}"/>
+              </a:ext>
+            </a:extLst>
+          </p:cNvPr>
+          <p:cNvPicPr>
+            <a:picLocks noChangeAspect="1"/>
+          </p:cNvPicPr>
+          <p:nvPr/>
+        </p:nvPicPr>
+        <p:blipFill>
+          <a:blip r:embed="rId18"/>
+          <a:stretch>
+            <a:fillRect/>
+          </a:stretch>
+        </p:blipFill>
+        <p:spPr>
+          <a:xfrm>
+            <a:off x="19723504" y="31372198"/>
+            <a:ext cx="10259739" cy="5036409"/>
+          </a:xfrm>
+          <a:prstGeom prst="rect">
+            <a:avLst/>
+          </a:prstGeom>
+        </p:spPr>
+      </p:pic>
+      <p:sp>
+        <p:nvSpPr>
+          <p:cNvPr id="18" name="Rectangle 17">
+            <a:extLst>
+              <a:ext uri="{FF2B5EF4-FFF2-40B4-BE49-F238E27FC236}">
+                <a16:creationId xmlns:a16="http://schemas.microsoft.com/office/drawing/2014/main" id="{6B3A98B8-DF44-1929-0943-D87234B319A6}"/>
+              </a:ext>
+            </a:extLst>
+          </p:cNvPr>
+          <p:cNvSpPr/>
+          <p:nvPr/>
+        </p:nvSpPr>
+        <p:spPr>
+          <a:xfrm>
+            <a:off x="34414477" y="8150537"/>
+            <a:ext cx="14838218" cy="1032334"/>
+          </a:xfrm>
+          <a:prstGeom prst="rect">
+            <a:avLst/>
+          </a:prstGeom>
+        </p:spPr>
+        <p:txBody>
+          <a:bodyPr wrap="square">
+            <a:spAutoFit/>
+          </a:bodyPr>
+          <a:lstStyle/>
+          <a:p>
+            <a:pPr marL="933406" indent="-451550">
+              <a:buFont typeface="Arial" pitchFamily="34" charset="0"/>
               <a:buChar char="•"/>
             </a:pPr>
             <a:r>
-              <a:rPr lang="en-US" sz="3000" dirty="0"/>
-              <a:t>We selected priors to balance interpretability and flexibility in our regression model. For regression coefficients, we used a normal prior with mean 0 (implying no initial change) and standard deviation 2, reflecting moderate uncertainty and accommodating small to moderate predictor effects with occasional larger ones.</a:t>
-            </a:r>
-          </a:p>
-          <a:p>
-            <a:pPr marL="457200" indent="-457200">
-              <a:buFont typeface="Arial" panose="020B0604020202020204" pitchFamily="34" charset="0"/>
-              <a:buChar char="•"/>
-            </a:pPr>
-            <a:r>
-              <a:rPr lang="en-US" sz="3000" dirty="0"/>
-              <a:t>The intercept, representing baseline log-odds of hospitalization, also followed a normal prior with mean 0 (baseline odds ~50%) but a wider standard deviation of 5 to capture broader variability in baseline probabilities. </a:t>
-            </a:r>
-          </a:p>
-          <a:p>
-            <a:pPr marL="457200" indent="-457200">
-              <a:buFont typeface="Arial" panose="020B0604020202020204" pitchFamily="34" charset="0"/>
-              <a:buChar char="•"/>
-            </a:pPr>
-            <a:r>
-              <a:rPr lang="en-US" sz="3000" dirty="0"/>
-              <a:t>For random-effect standard deviations, we employed a Student’s t prior with 3 degrees of freedom, mean 0, and scale 2.5. This heavy-tailed prior accommodates extreme group-level variability while remaining robust to outliers, ensuring model stability and interpretability.</a:t>
-            </a:r>
-          </a:p>
-        </p:txBody>
-      </p:sp>
+              <a:rPr lang="en-US" sz="3054" dirty="0">
+                <a:latin typeface="+mj-lt"/>
+                <a:cs typeface="Times New Roman" panose="02020603050405020304" pitchFamily="18" charset="0"/>
+              </a:rPr>
+              <a:t>We used the mean to compare how well each model fit the observed data</a:t>
+            </a:r>
+          </a:p>
+          <a:p>
+            <a:pPr marL="481856"/>
+            <a:r>
+              <a:rPr lang="en-US" sz="3054" b="1" dirty="0">
+                <a:latin typeface="+mj-lt"/>
+                <a:cs typeface="Times New Roman" panose="02020603050405020304" pitchFamily="18" charset="0"/>
+              </a:rPr>
+              <a:t>Base Model (hospitalized(binary) ~ age group + race)</a:t>
+            </a:r>
+          </a:p>
+        </p:txBody>
+      </p:sp>
+      <p:pic>
+        <p:nvPicPr>
+          <p:cNvPr id="22" name="Picture 21" descr="A graph of a graph of a number of numbers&#10;&#10;Description automatically generated with medium confidence">
+            <a:extLst>
+              <a:ext uri="{FF2B5EF4-FFF2-40B4-BE49-F238E27FC236}">
+                <a16:creationId xmlns:a16="http://schemas.microsoft.com/office/drawing/2014/main" id="{90FF268F-1CA9-D059-8F40-74FB65538707}"/>
+              </a:ext>
+            </a:extLst>
+          </p:cNvPr>
+          <p:cNvPicPr>
+            <a:picLocks noChangeAspect="1"/>
+          </p:cNvPicPr>
+          <p:nvPr/>
+        </p:nvPicPr>
+        <p:blipFill>
+          <a:blip r:embed="rId19"/>
+          <a:stretch>
+            <a:fillRect/>
+          </a:stretch>
+        </p:blipFill>
+        <p:spPr>
+          <a:xfrm>
+            <a:off x="34746608" y="9221743"/>
+            <a:ext cx="11717671" cy="4186576"/>
+          </a:xfrm>
+          <a:prstGeom prst="rect">
+            <a:avLst/>
+          </a:prstGeom>
+        </p:spPr>
+      </p:pic>
+      <p:pic>
+        <p:nvPicPr>
+          <p:cNvPr id="24" name="Picture 23" descr="A graph of a number of data&#10;&#10;Description automatically generated with medium confidence">
+            <a:extLst>
+              <a:ext uri="{FF2B5EF4-FFF2-40B4-BE49-F238E27FC236}">
+                <a16:creationId xmlns:a16="http://schemas.microsoft.com/office/drawing/2014/main" id="{E270B8C5-399C-6C66-D0D0-D2E2D733BB2F}"/>
+              </a:ext>
+            </a:extLst>
+          </p:cNvPr>
+          <p:cNvPicPr>
+            <a:picLocks noChangeAspect="1"/>
+          </p:cNvPicPr>
+          <p:nvPr/>
+        </p:nvPicPr>
+        <p:blipFill>
+          <a:blip r:embed="rId20"/>
+          <a:stretch>
+            <a:fillRect/>
+          </a:stretch>
+        </p:blipFill>
+        <p:spPr>
+          <a:xfrm>
+            <a:off x="34746608" y="14167926"/>
+            <a:ext cx="12274923" cy="3973101"/>
+          </a:xfrm>
+          <a:prstGeom prst="rect">
+            <a:avLst/>
+          </a:prstGeom>
+        </p:spPr>
+      </p:pic>
+      <p:sp>
+        <p:nvSpPr>
+          <p:cNvPr id="26" name="TextBox 25">
+            <a:extLst>
+              <a:ext uri="{FF2B5EF4-FFF2-40B4-BE49-F238E27FC236}">
+                <a16:creationId xmlns:a16="http://schemas.microsoft.com/office/drawing/2014/main" id="{D510E767-383E-79B9-427E-82205186E595}"/>
+              </a:ext>
+            </a:extLst>
+          </p:cNvPr>
+          <p:cNvSpPr txBox="1"/>
+          <p:nvPr/>
+        </p:nvSpPr>
+        <p:spPr>
+          <a:xfrm>
+            <a:off x="38895454" y="21454946"/>
+            <a:ext cx="3501483" cy="1938992"/>
+          </a:xfrm>
+          <a:prstGeom prst="rect">
+            <a:avLst/>
+          </a:prstGeom>
+          <a:noFill/>
+        </p:spPr>
+        <p:txBody>
+          <a:bodyPr wrap="square" rtlCol="0">
+            <a:spAutoFit/>
+          </a:bodyPr>
+          <a:lstStyle/>
+          <a:p>
+            <a:r>
+              <a:rPr lang="en-US" sz="4000" dirty="0"/>
+              <a:t>Add race cond. effect plots here</a:t>
+            </a:r>
+          </a:p>
+        </p:txBody>
+      </p:sp>
+      <p:pic>
+        <p:nvPicPr>
+          <p:cNvPr id="32" name="Picture 31" descr="A map of the united states&#10;&#10;Description automatically generated">
+            <a:extLst>
+              <a:ext uri="{FF2B5EF4-FFF2-40B4-BE49-F238E27FC236}">
+                <a16:creationId xmlns:a16="http://schemas.microsoft.com/office/drawing/2014/main" id="{C715AAD6-0D02-3C73-A4E1-3480F5915B5D}"/>
+              </a:ext>
+            </a:extLst>
+          </p:cNvPr>
+          <p:cNvPicPr>
+            <a:picLocks noChangeAspect="1"/>
+          </p:cNvPicPr>
+          <p:nvPr/>
+        </p:nvPicPr>
+        <p:blipFill>
+          <a:blip r:embed="rId21"/>
+          <a:stretch>
+            <a:fillRect/>
+          </a:stretch>
+        </p:blipFill>
+        <p:spPr>
+          <a:xfrm>
+            <a:off x="33822475" y="26552800"/>
+            <a:ext cx="10647966" cy="4743888"/>
+          </a:xfrm>
+          <a:prstGeom prst="rect">
+            <a:avLst/>
+          </a:prstGeom>
+        </p:spPr>
+      </p:pic>
+      <p:pic>
+        <p:nvPicPr>
+          <p:cNvPr id="41" name="Picture 40" descr="A screenshot of a computer&#10;&#10;Description automatically generated">
+            <a:extLst>
+              <a:ext uri="{FF2B5EF4-FFF2-40B4-BE49-F238E27FC236}">
+                <a16:creationId xmlns:a16="http://schemas.microsoft.com/office/drawing/2014/main" id="{3D020BE2-4474-80CB-9892-AAD18C3C67C1}"/>
+              </a:ext>
+            </a:extLst>
+          </p:cNvPr>
+          <p:cNvPicPr>
+            <a:picLocks noChangeAspect="1"/>
+          </p:cNvPicPr>
+          <p:nvPr/>
+        </p:nvPicPr>
+        <p:blipFill>
+          <a:blip r:embed="rId22"/>
+          <a:stretch>
+            <a:fillRect/>
+          </a:stretch>
+        </p:blipFill>
+        <p:spPr>
+          <a:xfrm>
+            <a:off x="44470441" y="26212540"/>
+            <a:ext cx="6418800" cy="4084691"/>
+          </a:xfrm>
+          <a:prstGeom prst="rect">
+            <a:avLst/>
+          </a:prstGeom>
+        </p:spPr>
+      </p:pic>
+      <p:pic>
+        <p:nvPicPr>
+          <p:cNvPr id="52" name="Picture 51">
+            <a:extLst>
+              <a:ext uri="{FF2B5EF4-FFF2-40B4-BE49-F238E27FC236}">
+                <a16:creationId xmlns:a16="http://schemas.microsoft.com/office/drawing/2014/main" id="{51963A4C-0FE3-0643-6EEB-95596B889E97}"/>
+              </a:ext>
+            </a:extLst>
+          </p:cNvPr>
+          <p:cNvPicPr>
+            <a:picLocks noChangeAspect="1"/>
+          </p:cNvPicPr>
+          <p:nvPr/>
+        </p:nvPicPr>
+        <p:blipFill>
+          <a:blip r:embed="rId23"/>
+          <a:stretch>
+            <a:fillRect/>
+          </a:stretch>
+        </p:blipFill>
+        <p:spPr>
+          <a:xfrm>
+            <a:off x="13401090" y="20379958"/>
+            <a:ext cx="2765554" cy="853566"/>
+          </a:xfrm>
+          <a:prstGeom prst="rect">
+            <a:avLst/>
+          </a:prstGeom>
+        </p:spPr>
+      </p:pic>
+      <p:pic>
+        <p:nvPicPr>
+          <p:cNvPr id="58" name="Picture 57">
+            <a:extLst>
+              <a:ext uri="{FF2B5EF4-FFF2-40B4-BE49-F238E27FC236}">
+                <a16:creationId xmlns:a16="http://schemas.microsoft.com/office/drawing/2014/main" id="{5B0F9A5A-602F-0862-F00F-F1E573F0618F}"/>
+              </a:ext>
+            </a:extLst>
+          </p:cNvPr>
+          <p:cNvPicPr>
+            <a:picLocks noChangeAspect="1"/>
+          </p:cNvPicPr>
+          <p:nvPr/>
+        </p:nvPicPr>
+        <p:blipFill>
+          <a:blip r:embed="rId23"/>
+          <a:stretch>
+            <a:fillRect/>
+          </a:stretch>
+        </p:blipFill>
+        <p:spPr>
+          <a:xfrm>
+            <a:off x="27500480" y="27125607"/>
+            <a:ext cx="2765554" cy="853566"/>
+          </a:xfrm>
+          <a:prstGeom prst="rect">
+            <a:avLst/>
+          </a:prstGeom>
+        </p:spPr>
+      </p:pic>
     </p:spTree>
   </p:cSld>
   <p:clrMapOvr>
@@ -8600,20 +9203,20 @@
 </file>
 
 <file path=customXml/item1.xml><?xml version="1.0" encoding="utf-8"?>
+<p:properties xmlns:p="http://schemas.microsoft.com/office/2006/metadata/properties" xmlns:xsi="http://www.w3.org/2001/XMLSchema-instance" xmlns:pc="http://schemas.microsoft.com/office/infopath/2007/PartnerControls">
+  <documentManagement>
+    <_activity xmlns="4f41ae97-5a6c-4458-bb1f-235b5f3b5d68" xsi:nil="true"/>
+  </documentManagement>
+</p:properties>
+</file>
+
+<file path=customXml/item2.xml><?xml version="1.0" encoding="utf-8"?>
 <?mso-contentType ?>
 <FormTemplates xmlns="http://schemas.microsoft.com/sharepoint/v3/contenttype/forms">
   <Display>DocumentLibraryForm</Display>
   <Edit>DocumentLibraryForm</Edit>
   <New>DocumentLibraryForm</New>
 </FormTemplates>
-</file>
-
-<file path=customXml/item2.xml><?xml version="1.0" encoding="utf-8"?>
-<p:properties xmlns:p="http://schemas.microsoft.com/office/2006/metadata/properties" xmlns:xsi="http://www.w3.org/2001/XMLSchema-instance" xmlns:pc="http://schemas.microsoft.com/office/infopath/2007/PartnerControls">
-  <documentManagement>
-    <_activity xmlns="4f41ae97-5a6c-4458-bb1f-235b5f3b5d68" xsi:nil="true"/>
-  </documentManagement>
-</p:properties>
 </file>
 
 <file path=customXml/item3.xml><?xml version="1.0" encoding="utf-8"?>
@@ -8838,14 +9441,6 @@
 </file>
 
 <file path=customXml/itemProps1.xml><?xml version="1.0" encoding="utf-8"?>
-<ds:datastoreItem xmlns:ds="http://schemas.openxmlformats.org/officeDocument/2006/customXml" ds:itemID="{6D1ED908-36CA-47DE-9D02-6709ABA06A3B}">
-  <ds:schemaRefs>
-    <ds:schemaRef ds:uri="http://schemas.microsoft.com/sharepoint/v3/contenttype/forms"/>
-  </ds:schemaRefs>
-</ds:datastoreItem>
-</file>
-
-<file path=customXml/itemProps2.xml><?xml version="1.0" encoding="utf-8"?>
 <ds:datastoreItem xmlns:ds="http://schemas.openxmlformats.org/officeDocument/2006/customXml" ds:itemID="{C3D6C4CD-CFA3-41A1-A9D1-BFAF122A51A5}">
   <ds:schemaRefs>
     <ds:schemaRef ds:uri="http://purl.org/dc/elements/1.1/"/>
@@ -8858,6 +9453,14 @@
     <ds:schemaRef ds:uri="http://schemas.microsoft.com/office/infopath/2007/PartnerControls"/>
     <ds:schemaRef ds:uri="8802567b-aa87-48e0-ac05-b6cac22ca2ed"/>
     <ds:schemaRef ds:uri="http://schemas.microsoft.com/office/2006/metadata/properties"/>
+  </ds:schemaRefs>
+</ds:datastoreItem>
+</file>
+
+<file path=customXml/itemProps2.xml><?xml version="1.0" encoding="utf-8"?>
+<ds:datastoreItem xmlns:ds="http://schemas.openxmlformats.org/officeDocument/2006/customXml" ds:itemID="{6D1ED908-36CA-47DE-9D02-6709ABA06A3B}">
+  <ds:schemaRefs>
+    <ds:schemaRef ds:uri="http://schemas.microsoft.com/sharepoint/v3/contenttype/forms"/>
   </ds:schemaRefs>
 </ds:datastoreItem>
 </file>

--- a/Bayesian COVID Hospitalizations_poster_draft_alex.pptx
+++ b/Bayesian COVID Hospitalizations_poster_draft_alex.pptx
@@ -153,6 +153,20 @@
       </ac:txMk>
     </ac:txMkLst>
     <p188:pos x="6726763" y="1905518"/>
+    <p188:replyLst>
+      <p188:reply id="{6BBC16B9-F032-5D4F-9AA1-C322D58562C4}" authorId="{74906A6B-110F-D067-7BFC-521FF3E147DB}" created="2024-12-03T17:35:44.513">
+        <p188:txBody>
+          <a:bodyPr/>
+          <a:lstStyle/>
+          <a:p>
+            <a:r>
+              <a:rPr lang="en-US"/>
+              <a:t>Luke</a:t>
+            </a:r>
+          </a:p>
+        </p188:txBody>
+      </p188:reply>
+    </p188:replyLst>
     <p188:txBody>
       <a:bodyPr/>
       <a:lstStyle/>
@@ -174,6 +188,20 @@
       </ac:txMk>
     </ac:txMkLst>
     <p188:pos x="15025949" y="5293895"/>
+    <p188:replyLst>
+      <p188:reply id="{9FB32CE5-567F-AE4E-8E67-3259D4F6C688}" authorId="{74906A6B-110F-D067-7BFC-521FF3E147DB}" created="2024-12-03T17:35:53.370">
+        <p188:txBody>
+          <a:bodyPr/>
+          <a:lstStyle/>
+          <a:p>
+            <a:r>
+              <a:rPr lang="en-US"/>
+              <a:t>Alex</a:t>
+            </a:r>
+          </a:p>
+        </p188:txBody>
+      </p188:reply>
+    </p188:replyLst>
     <p188:txBody>
       <a:bodyPr/>
       <a:lstStyle/>
@@ -196,6 +224,20 @@
       <pc:sldMk xmlns:pc="http://schemas.microsoft.com/office/powerpoint/2013/main/command" cId="0" sldId="256"/>
       <ac:picMk id="30" creationId="{3968AFF1-F807-B4BD-4D77-E56E190F78D1}"/>
     </ac:deMkLst>
+    <p188:replyLst>
+      <p188:reply id="{76F8EA4A-DA00-2642-8DF2-5AC9A46058F1}" authorId="{74906A6B-110F-D067-7BFC-521FF3E147DB}" created="2024-12-03T17:35:56.828">
+        <p188:txBody>
+          <a:bodyPr/>
+          <a:lstStyle/>
+          <a:p>
+            <a:r>
+              <a:rPr lang="en-US"/>
+              <a:t>Ben</a:t>
+            </a:r>
+          </a:p>
+        </p188:txBody>
+      </p188:reply>
+    </p188:replyLst>
     <p188:txBody>
       <a:bodyPr/>
       <a:lstStyle/>
@@ -217,6 +259,20 @@
       </ac:txMk>
     </ac:txMkLst>
     <p188:pos x="14887960" y="840586"/>
+    <p188:replyLst>
+      <p188:reply id="{417EFD4C-5635-9048-BF6B-4C95CFFC9101}" authorId="{74906A6B-110F-D067-7BFC-521FF3E147DB}" created="2024-12-03T17:36:00.399">
+        <p188:txBody>
+          <a:bodyPr/>
+          <a:lstStyle/>
+          <a:p>
+            <a:r>
+              <a:rPr lang="en-US"/>
+              <a:t>Alex</a:t>
+            </a:r>
+          </a:p>
+        </p188:txBody>
+      </p188:reply>
+    </p188:replyLst>
     <p188:txBody>
       <a:bodyPr/>
       <a:lstStyle/>
@@ -238,6 +294,20 @@
       <pc:sldMk xmlns:pc="http://schemas.microsoft.com/office/powerpoint/2013/main/command" cId="0" sldId="256"/>
       <ac:picMk id="58" creationId="{5B0F9A5A-602F-0862-F00F-F1E573F0618F}"/>
     </ac:deMkLst>
+    <p188:replyLst>
+      <p188:reply id="{9CF0869A-6B72-1546-A2B8-FC6472DA84C5}" authorId="{74906A6B-110F-D067-7BFC-521FF3E147DB}" created="2024-12-03T17:36:05.753">
+        <p188:txBody>
+          <a:bodyPr/>
+          <a:lstStyle/>
+          <a:p>
+            <a:r>
+              <a:rPr lang="en-US"/>
+              <a:t>Luke</a:t>
+            </a:r>
+          </a:p>
+        </p188:txBody>
+      </p188:reply>
+    </p188:replyLst>
     <p188:txBody>
       <a:bodyPr/>
       <a:lstStyle/>
@@ -255,6 +325,20 @@
       <pc:sldMk xmlns:pc="http://schemas.microsoft.com/office/powerpoint/2013/main/command" cId="0" sldId="256"/>
       <ac:picMk id="52" creationId="{51963A4C-0FE3-0643-6EEB-95596B889E97}"/>
     </ac:deMkLst>
+    <p188:replyLst>
+      <p188:reply id="{C999789C-AF9A-F64C-8E7D-335A29C20687}" authorId="{74906A6B-110F-D067-7BFC-521FF3E147DB}" created="2024-12-03T17:36:16.044">
+        <p188:txBody>
+          <a:bodyPr/>
+          <a:lstStyle/>
+          <a:p>
+            <a:r>
+              <a:rPr lang="en-US"/>
+              <a:t>Luke</a:t>
+            </a:r>
+          </a:p>
+        </p188:txBody>
+      </p188:reply>
+    </p188:replyLst>
     <p188:txBody>
       <a:bodyPr/>
       <a:lstStyle/>
@@ -272,6 +356,20 @@
       <pc:sldMk xmlns:pc="http://schemas.microsoft.com/office/powerpoint/2013/main/command" cId="0" sldId="256"/>
       <ac:picMk id="40" creationId="{561C5FE4-9249-2A41-BA37-044223A59553}"/>
     </ac:deMkLst>
+    <p188:replyLst>
+      <p188:reply id="{53B71D87-92A0-024A-B532-64B8EB207A24}" authorId="{74906A6B-110F-D067-7BFC-521FF3E147DB}" created="2024-12-03T17:36:19.073">
+        <p188:txBody>
+          <a:bodyPr/>
+          <a:lstStyle/>
+          <a:p>
+            <a:r>
+              <a:rPr lang="en-US"/>
+              <a:t>Luke</a:t>
+            </a:r>
+          </a:p>
+        </p188:txBody>
+      </p188:reply>
+    </p188:replyLst>
     <p188:txBody>
       <a:bodyPr/>
       <a:lstStyle/>
@@ -298,6 +396,18 @@
             <a:r>
               <a:rPr lang="en-US"/>
               <a:t>Don’t have to include definition of logic</a:t>
+            </a:r>
+          </a:p>
+        </p188:txBody>
+      </p188:reply>
+      <p188:reply id="{A879EF37-65F1-DA44-B74C-54A8615BF917}" authorId="{74906A6B-110F-D067-7BFC-521FF3E147DB}" created="2024-12-03T17:36:23.684">
+        <p188:txBody>
+          <a:bodyPr/>
+          <a:lstStyle/>
+          <a:p>
+            <a:r>
+              <a:rPr lang="en-US"/>
+              <a:t>Luke</a:t>
             </a:r>
           </a:p>
         </p188:txBody>
@@ -324,6 +434,20 @@
       </ac:txMk>
     </ac:txMkLst>
     <p188:pos x="6275825" y="752881"/>
+    <p188:replyLst>
+      <p188:reply id="{577B891F-4ADB-084A-AD45-9A31D091ABD6}" authorId="{74906A6B-110F-D067-7BFC-521FF3E147DB}" created="2024-12-03T17:36:30.689">
+        <p188:txBody>
+          <a:bodyPr/>
+          <a:lstStyle/>
+          <a:p>
+            <a:r>
+              <a:rPr lang="en-US"/>
+              <a:t>Luke</a:t>
+            </a:r>
+          </a:p>
+        </p188:txBody>
+      </p188:reply>
+    </p188:replyLst>
     <p188:txBody>
       <a:bodyPr/>
       <a:lstStyle/>
@@ -341,6 +465,20 @@
       <pc:sldMk xmlns:pc="http://schemas.microsoft.com/office/powerpoint/2013/main/command" cId="0" sldId="256"/>
       <ac:picMk id="32" creationId="{C715AAD6-0D02-3C73-A4E1-3480F5915B5D}"/>
     </ac:deMkLst>
+    <p188:replyLst>
+      <p188:reply id="{8E754C57-2820-3041-BC76-A491A0BB70D5}" authorId="{74906A6B-110F-D067-7BFC-521FF3E147DB}" created="2024-12-03T17:36:38.677">
+        <p188:txBody>
+          <a:bodyPr/>
+          <a:lstStyle/>
+          <a:p>
+            <a:r>
+              <a:rPr lang="en-US"/>
+              <a:t>Luke</a:t>
+            </a:r>
+          </a:p>
+        </p188:txBody>
+      </p188:reply>
+    </p188:replyLst>
     <p188:txBody>
       <a:bodyPr/>
       <a:lstStyle/>
@@ -358,6 +496,20 @@
       <pc:sldMk xmlns:pc="http://schemas.microsoft.com/office/powerpoint/2013/main/command" cId="0" sldId="256"/>
       <ac:picMk id="17" creationId="{B26C3502-6580-E651-C75B-1E989EA9C35C}"/>
     </ac:deMkLst>
+    <p188:replyLst>
+      <p188:reply id="{9B8AD0AF-F27A-A841-9A24-25EB006B518F}" authorId="{74906A6B-110F-D067-7BFC-521FF3E147DB}" created="2024-12-03T17:38:07.707">
+        <p188:txBody>
+          <a:bodyPr/>
+          <a:lstStyle/>
+          <a:p>
+            <a:r>
+              <a:rPr lang="en-US"/>
+              <a:t>Luke</a:t>
+            </a:r>
+          </a:p>
+        </p188:txBody>
+      </p188:reply>
+    </p188:replyLst>
     <p188:txBody>
       <a:bodyPr/>
       <a:lstStyle/>
@@ -392,6 +544,18 @@
           </a:p>
         </p188:txBody>
       </p188:reply>
+      <p188:reply id="{9FF01C88-A467-2740-8155-37FF356E315F}" authorId="{74906A6B-110F-D067-7BFC-521FF3E147DB}" created="2024-12-03T17:38:40.712">
+        <p188:txBody>
+          <a:bodyPr/>
+          <a:lstStyle/>
+          <a:p>
+            <a:r>
+              <a:rPr lang="en-US"/>
+              <a:t>Delete!!!! (Luke) And replace with plot of n_missing</a:t>
+            </a:r>
+          </a:p>
+        </p188:txBody>
+      </p188:reply>
     </p188:replyLst>
     <p188:txBody>
       <a:bodyPr/>
@@ -410,6 +574,20 @@
       <pc:sldMk xmlns:pc="http://schemas.microsoft.com/office/powerpoint/2013/main/command" cId="0" sldId="256"/>
       <ac:picMk id="32" creationId="{C715AAD6-0D02-3C73-A4E1-3480F5915B5D}"/>
     </ac:deMkLst>
+    <p188:replyLst>
+      <p188:reply id="{346EEEB6-182F-6C4D-9390-4997EC42C2AD}" authorId="{74906A6B-110F-D067-7BFC-521FF3E147DB}" created="2024-12-03T17:38:55.864">
+        <p188:txBody>
+          <a:bodyPr/>
+          <a:lstStyle/>
+          <a:p>
+            <a:r>
+              <a:rPr lang="en-US"/>
+              <a:t>Luke</a:t>
+            </a:r>
+          </a:p>
+        </p188:txBody>
+      </p188:reply>
+    </p188:replyLst>
     <p188:txBody>
       <a:bodyPr/>
       <a:lstStyle/>
@@ -427,6 +605,20 @@
       <pc:sldMk xmlns:pc="http://schemas.microsoft.com/office/powerpoint/2013/main/command" cId="0" sldId="256"/>
       <ac:spMk id="27" creationId="{3F276D0A-010E-4E5B-46A1-A4E9C4C43CDC}"/>
     </ac:deMkLst>
+    <p188:replyLst>
+      <p188:reply id="{2A7C9A26-EE00-C244-8518-5EE00CBE224C}" authorId="{74906A6B-110F-D067-7BFC-521FF3E147DB}" created="2024-12-03T17:38:50.733">
+        <p188:txBody>
+          <a:bodyPr/>
+          <a:lstStyle/>
+          <a:p>
+            <a:r>
+              <a:rPr lang="en-US"/>
+              <a:t>Luke</a:t>
+            </a:r>
+          </a:p>
+        </p188:txBody>
+      </p188:reply>
+    </p188:replyLst>
     <p188:txBody>
       <a:bodyPr/>
       <a:lstStyle/>
@@ -434,6 +626,27 @@
         <a:r>
           <a:rPr lang="en-US"/>
           <a:t>Write out probs in notation form, to specify what is being displayed in the plot</a:t>
+        </a:r>
+      </a:p>
+    </p188:txBody>
+  </p188:cm>
+  <p188:cm id="{B3DEF422-BAD8-2B4F-A701-694311B6CDE2}" authorId="{74906A6B-110F-D067-7BFC-521FF3E147DB}" created="2024-12-03T17:39:12.305">
+    <ac:txMkLst xmlns:ac="http://schemas.microsoft.com/office/drawing/2013/main/command">
+      <pc:docMk xmlns:pc="http://schemas.microsoft.com/office/powerpoint/2013/main/command"/>
+      <pc:sldMk xmlns:pc="http://schemas.microsoft.com/office/powerpoint/2013/main/command" cId="0" sldId="256"/>
+      <ac:spMk id="11" creationId="{00000000-0000-0000-0000-000000000000}"/>
+      <ac:txMk cp="42" len="645">
+        <ac:context len="1219" hash="3521853458"/>
+      </ac:txMk>
+    </ac:txMkLst>
+    <p188:pos x="7429955" y="2059960"/>
+    <p188:txBody>
+      <a:bodyPr/>
+      <a:lstStyle/>
+      <a:p>
+        <a:r>
+          <a:rPr lang="en-US"/>
+          <a:t>Turn into histogram of N missing</a:t>
         </a:r>
       </a:p>
     </p188:txBody>
